--- a/Presentations/3 - Wrap-Up - ReSharper Course.pptx
+++ b/Presentations/3 - Wrap-Up - ReSharper Course.pptx
@@ -5,8 +5,14 @@
     <p:sldMasterId id="2147483648" r:id="rId1"/>
   </p:sldMasterIdLst>
   <p:notesMasterIdLst>
-    <p:notesMasterId r:id="rId2"/>
+    <p:notesMasterId r:id="rId6"/>
   </p:notesMasterIdLst>
+  <p:sldIdLst>
+    <p:sldId id="256" r:id="rId2"/>
+    <p:sldId id="260" r:id="rId3"/>
+    <p:sldId id="258" r:id="rId4"/>
+    <p:sldId id="259" r:id="rId5"/>
+  </p:sldIdLst>
   <p:sldSz cx="9144000" cy="6858000" type="screen4x3"/>
   <p:notesSz cx="6858000" cy="9144000"/>
   <p:defaultTextStyle>
@@ -190,7 +196,7 @@
             <a:fld id="{25D31F56-D80D-4507-AC0F-AB5E545C4181}" type="datetimeFigureOut">
               <a:rPr lang="da-DK" smtClean="0"/>
               <a:pPr/>
-              <a:t>22-05-2012</a:t>
+              <a:t>23-05-2012</a:t>
             </a:fld>
             <a:endParaRPr lang="da-DK"/>
           </a:p>
@@ -359,7 +365,7 @@
     </p:spTree>
     <p:extLst>
       <p:ext uri="{BB962C8B-B14F-4D97-AF65-F5344CB8AC3E}">
-        <p14:creationId xmlns:p14="http://schemas.microsoft.com/office/powerpoint/2010/main" xmlns="" val="1746408167"/>
+        <p14:creationId xmlns="" xmlns:p14="http://schemas.microsoft.com/office/powerpoint/2010/main" val="1746408167"/>
       </p:ext>
     </p:extLst>
   </p:cSld>
@@ -641,7 +647,7 @@
             <a:fld id="{1D8BD707-D9CF-40AE-B4C6-C98DA3205C09}" type="datetimeFigureOut">
               <a:rPr lang="en-US" smtClean="0"/>
               <a:pPr/>
-              <a:t>5/22/2012</a:t>
+              <a:t>5/23/2012</a:t>
             </a:fld>
             <a:endParaRPr lang="en-US"/>
           </a:p>
@@ -808,7 +814,7 @@
             <a:fld id="{1D8BD707-D9CF-40AE-B4C6-C98DA3205C09}" type="datetimeFigureOut">
               <a:rPr lang="en-US" smtClean="0"/>
               <a:pPr/>
-              <a:t>5/22/2012</a:t>
+              <a:t>5/23/2012</a:t>
             </a:fld>
             <a:endParaRPr lang="en-US"/>
           </a:p>
@@ -985,7 +991,7 @@
             <a:fld id="{1D8BD707-D9CF-40AE-B4C6-C98DA3205C09}" type="datetimeFigureOut">
               <a:rPr lang="en-US" smtClean="0"/>
               <a:pPr/>
-              <a:t>5/22/2012</a:t>
+              <a:t>5/23/2012</a:t>
             </a:fld>
             <a:endParaRPr lang="en-US"/>
           </a:p>
@@ -1152,7 +1158,7 @@
             <a:fld id="{1D8BD707-D9CF-40AE-B4C6-C98DA3205C09}" type="datetimeFigureOut">
               <a:rPr lang="en-US" smtClean="0"/>
               <a:pPr/>
-              <a:t>5/22/2012</a:t>
+              <a:t>5/23/2012</a:t>
             </a:fld>
             <a:endParaRPr lang="en-US"/>
           </a:p>
@@ -1395,7 +1401,7 @@
             <a:fld id="{1D8BD707-D9CF-40AE-B4C6-C98DA3205C09}" type="datetimeFigureOut">
               <a:rPr lang="en-US" smtClean="0"/>
               <a:pPr/>
-              <a:t>5/22/2012</a:t>
+              <a:t>5/23/2012</a:t>
             </a:fld>
             <a:endParaRPr lang="en-US"/>
           </a:p>
@@ -1680,7 +1686,7 @@
             <a:fld id="{1D8BD707-D9CF-40AE-B4C6-C98DA3205C09}" type="datetimeFigureOut">
               <a:rPr lang="en-US" smtClean="0"/>
               <a:pPr/>
-              <a:t>5/22/2012</a:t>
+              <a:t>5/23/2012</a:t>
             </a:fld>
             <a:endParaRPr lang="en-US"/>
           </a:p>
@@ -2099,7 +2105,7 @@
             <a:fld id="{1D8BD707-D9CF-40AE-B4C6-C98DA3205C09}" type="datetimeFigureOut">
               <a:rPr lang="en-US" smtClean="0"/>
               <a:pPr/>
-              <a:t>5/22/2012</a:t>
+              <a:t>5/23/2012</a:t>
             </a:fld>
             <a:endParaRPr lang="en-US"/>
           </a:p>
@@ -2214,7 +2220,7 @@
             <a:fld id="{1D8BD707-D9CF-40AE-B4C6-C98DA3205C09}" type="datetimeFigureOut">
               <a:rPr lang="en-US" smtClean="0"/>
               <a:pPr/>
-              <a:t>5/22/2012</a:t>
+              <a:t>5/23/2012</a:t>
             </a:fld>
             <a:endParaRPr lang="en-US"/>
           </a:p>
@@ -2306,7 +2312,7 @@
             <a:fld id="{1D8BD707-D9CF-40AE-B4C6-C98DA3205C09}" type="datetimeFigureOut">
               <a:rPr lang="en-US" smtClean="0"/>
               <a:pPr/>
-              <a:t>5/22/2012</a:t>
+              <a:t>5/23/2012</a:t>
             </a:fld>
             <a:endParaRPr lang="en-US"/>
           </a:p>
@@ -2580,7 +2586,7 @@
             <a:fld id="{1D8BD707-D9CF-40AE-B4C6-C98DA3205C09}" type="datetimeFigureOut">
               <a:rPr lang="en-US" smtClean="0"/>
               <a:pPr/>
-              <a:t>5/22/2012</a:t>
+              <a:t>5/23/2012</a:t>
             </a:fld>
             <a:endParaRPr lang="en-US"/>
           </a:p>
@@ -2830,7 +2836,7 @@
             <a:fld id="{1D8BD707-D9CF-40AE-B4C6-C98DA3205C09}" type="datetimeFigureOut">
               <a:rPr lang="en-US" smtClean="0"/>
               <a:pPr/>
-              <a:t>5/22/2012</a:t>
+              <a:t>5/23/2012</a:t>
             </a:fld>
             <a:endParaRPr lang="en-US"/>
           </a:p>
@@ -3040,7 +3046,7 @@
             <a:fld id="{1D8BD707-D9CF-40AE-B4C6-C98DA3205C09}" type="datetimeFigureOut">
               <a:rPr lang="en-US" smtClean="0"/>
               <a:pPr/>
-              <a:t>5/22/2012</a:t>
+              <a:t>5/23/2012</a:t>
             </a:fld>
             <a:endParaRPr lang="en-US"/>
           </a:p>
@@ -3392,6 +3398,680 @@
     </p:otherStyle>
   </p:txStyles>
 </p:sldMaster>
+</file>
+
+<file path=ppt/slides/slide1.xml><?xml version="1.0" encoding="utf-8"?>
+<p:sld xmlns:a="http://schemas.openxmlformats.org/drawingml/2006/main" xmlns:r="http://schemas.openxmlformats.org/officeDocument/2006/relationships" xmlns:p="http://schemas.openxmlformats.org/presentationml/2006/main">
+  <p:cSld>
+    <p:spTree>
+      <p:nvGrpSpPr>
+        <p:cNvPr id="1" name=""/>
+        <p:cNvGrpSpPr/>
+        <p:nvPr/>
+      </p:nvGrpSpPr>
+      <p:grpSpPr>
+        <a:xfrm>
+          <a:off x="0" y="0"/>
+          <a:ext cx="0" cy="0"/>
+          <a:chOff x="0" y="0"/>
+          <a:chExt cx="0" cy="0"/>
+        </a:xfrm>
+      </p:grpSpPr>
+      <p:sp>
+        <p:nvSpPr>
+          <p:cNvPr id="2" name="Title 1"/>
+          <p:cNvSpPr>
+            <a:spLocks noGrp="1"/>
+          </p:cNvSpPr>
+          <p:nvPr>
+            <p:ph type="ctrTitle"/>
+          </p:nvPr>
+        </p:nvSpPr>
+        <p:spPr/>
+        <p:txBody>
+          <a:bodyPr/>
+          <a:lstStyle/>
+          <a:p>
+            <a:r>
+              <a:rPr lang="da-DK" dirty="0" smtClean="0"/>
+              <a:t>ReSharper Course</a:t>
+            </a:r>
+            <a:endParaRPr lang="da-DK" dirty="0"/>
+          </a:p>
+        </p:txBody>
+      </p:sp>
+      <p:sp>
+        <p:nvSpPr>
+          <p:cNvPr id="3" name="Subtitle 2"/>
+          <p:cNvSpPr>
+            <a:spLocks noGrp="1"/>
+          </p:cNvSpPr>
+          <p:nvPr>
+            <p:ph type="subTitle" idx="1"/>
+          </p:nvPr>
+        </p:nvSpPr>
+        <p:spPr/>
+        <p:txBody>
+          <a:bodyPr/>
+          <a:lstStyle/>
+          <a:p>
+            <a:r>
+              <a:rPr lang="da-DK" dirty="0" smtClean="0"/>
+              <a:t>Making Waves @ Oslo</a:t>
+            </a:r>
+          </a:p>
+          <a:p>
+            <a:r>
+              <a:rPr lang="da-DK" dirty="0" err="1" smtClean="0"/>
+              <a:t>Wrap-Up</a:t>
+            </a:r>
+            <a:endParaRPr lang="da-DK" dirty="0"/>
+          </a:p>
+        </p:txBody>
+      </p:sp>
+      <p:pic>
+        <p:nvPicPr>
+          <p:cNvPr id="4" name="Picture 2" descr="C:\Users\RASMUSKL\Desktop\My Dropbox\Presentations\ReSharper 5 - ANUG VS Launch\Content\ReSharper_15.png"/>
+          <p:cNvPicPr>
+            <a:picLocks noChangeAspect="1" noChangeArrowheads="1"/>
+          </p:cNvPicPr>
+          <p:nvPr/>
+        </p:nvPicPr>
+        <p:blipFill>
+          <a:blip r:embed="rId2" cstate="print"/>
+          <a:srcRect/>
+          <a:stretch>
+            <a:fillRect/>
+          </a:stretch>
+        </p:blipFill>
+        <p:spPr bwMode="auto">
+          <a:xfrm>
+            <a:off x="6286512" y="285728"/>
+            <a:ext cx="2647944" cy="2173041"/>
+          </a:xfrm>
+          <a:prstGeom prst="rect">
+            <a:avLst/>
+          </a:prstGeom>
+          <a:noFill/>
+        </p:spPr>
+      </p:pic>
+    </p:spTree>
+  </p:cSld>
+  <p:clrMapOvr>
+    <a:masterClrMapping/>
+  </p:clrMapOvr>
+</p:sld>
+</file>
+
+<file path=ppt/slides/slide2.xml><?xml version="1.0" encoding="utf-8"?>
+<p:sld xmlns:a="http://schemas.openxmlformats.org/drawingml/2006/main" xmlns:r="http://schemas.openxmlformats.org/officeDocument/2006/relationships" xmlns:p="http://schemas.openxmlformats.org/presentationml/2006/main">
+  <p:cSld>
+    <p:bg>
+      <p:bgPr>
+        <a:solidFill>
+          <a:schemeClr val="tx1"/>
+        </a:solidFill>
+        <a:effectLst/>
+      </p:bgPr>
+    </p:bg>
+    <p:spTree>
+      <p:nvGrpSpPr>
+        <p:cNvPr id="1" name=""/>
+        <p:cNvGrpSpPr/>
+        <p:nvPr/>
+      </p:nvGrpSpPr>
+      <p:grpSpPr>
+        <a:xfrm>
+          <a:off x="0" y="0"/>
+          <a:ext cx="0" cy="0"/>
+          <a:chOff x="0" y="0"/>
+          <a:chExt cx="0" cy="0"/>
+        </a:xfrm>
+      </p:grpSpPr>
+      <p:sp>
+        <p:nvSpPr>
+          <p:cNvPr id="2" name="Title 1"/>
+          <p:cNvSpPr>
+            <a:spLocks noGrp="1"/>
+          </p:cNvSpPr>
+          <p:nvPr>
+            <p:ph type="title"/>
+          </p:nvPr>
+        </p:nvSpPr>
+        <p:spPr/>
+        <p:txBody>
+          <a:bodyPr/>
+          <a:lstStyle/>
+          <a:p>
+            <a:r>
+              <a:rPr lang="da-DK" dirty="0" smtClean="0">
+                <a:solidFill>
+                  <a:schemeClr val="bg1"/>
+                </a:solidFill>
+              </a:rPr>
+              <a:t>Exercise: </a:t>
+            </a:r>
+            <a:r>
+              <a:rPr lang="da-DK" dirty="0" err="1" smtClean="0">
+                <a:solidFill>
+                  <a:schemeClr val="bg1"/>
+                </a:solidFill>
+              </a:rPr>
+              <a:t>First</a:t>
+            </a:r>
+            <a:r>
+              <a:rPr lang="da-DK" dirty="0" smtClean="0">
+                <a:solidFill>
+                  <a:schemeClr val="bg1"/>
+                </a:solidFill>
+              </a:rPr>
+              <a:t> Exercise </a:t>
+            </a:r>
+            <a:r>
+              <a:rPr lang="da-DK" dirty="0" err="1" smtClean="0">
+                <a:solidFill>
+                  <a:schemeClr val="bg1"/>
+                </a:solidFill>
+              </a:rPr>
+              <a:t>Revisited</a:t>
+            </a:r>
+            <a:endParaRPr lang="da-DK" dirty="0">
+              <a:solidFill>
+                <a:schemeClr val="bg1"/>
+              </a:solidFill>
+            </a:endParaRPr>
+          </a:p>
+        </p:txBody>
+      </p:sp>
+      <p:sp>
+        <p:nvSpPr>
+          <p:cNvPr id="3" name="Content Placeholder 2"/>
+          <p:cNvSpPr>
+            <a:spLocks noGrp="1"/>
+          </p:cNvSpPr>
+          <p:nvPr>
+            <p:ph idx="1"/>
+          </p:nvPr>
+        </p:nvSpPr>
+        <p:spPr/>
+        <p:txBody>
+          <a:bodyPr>
+            <a:normAutofit/>
+          </a:bodyPr>
+          <a:lstStyle/>
+          <a:p>
+            <a:endParaRPr lang="da-DK" dirty="0" smtClean="0">
+              <a:solidFill>
+                <a:schemeClr val="bg1"/>
+              </a:solidFill>
+            </a:endParaRPr>
+          </a:p>
+          <a:p>
+            <a:endParaRPr lang="da-DK" dirty="0" smtClean="0">
+              <a:solidFill>
+                <a:schemeClr val="bg1"/>
+              </a:solidFill>
+            </a:endParaRPr>
+          </a:p>
+          <a:p>
+            <a:r>
+              <a:rPr lang="da-DK" dirty="0" err="1" smtClean="0">
+                <a:solidFill>
+                  <a:schemeClr val="bg1"/>
+                </a:solidFill>
+              </a:rPr>
+              <a:t>Combine</a:t>
+            </a:r>
+            <a:r>
+              <a:rPr lang="da-DK" dirty="0" smtClean="0">
+                <a:solidFill>
+                  <a:schemeClr val="bg1"/>
+                </a:solidFill>
+              </a:rPr>
+              <a:t> </a:t>
+            </a:r>
+            <a:r>
+              <a:rPr lang="da-DK" dirty="0" smtClean="0">
+                <a:solidFill>
+                  <a:schemeClr val="bg1"/>
+                </a:solidFill>
+              </a:rPr>
+              <a:t>ReSharper features</a:t>
+            </a:r>
+          </a:p>
+          <a:p>
+            <a:endParaRPr lang="da-DK" dirty="0" smtClean="0">
+              <a:solidFill>
+                <a:schemeClr val="bg1"/>
+              </a:solidFill>
+            </a:endParaRPr>
+          </a:p>
+          <a:p>
+            <a:r>
+              <a:rPr lang="da-DK" dirty="0" smtClean="0">
+                <a:solidFill>
+                  <a:schemeClr val="bg1"/>
+                </a:solidFill>
+              </a:rPr>
+              <a:t>Pairs </a:t>
+            </a:r>
+            <a:r>
+              <a:rPr lang="da-DK" dirty="0" err="1" smtClean="0">
+                <a:solidFill>
+                  <a:schemeClr val="bg1"/>
+                </a:solidFill>
+              </a:rPr>
+              <a:t>again</a:t>
+            </a:r>
+            <a:endParaRPr lang="da-DK" dirty="0" smtClean="0">
+              <a:solidFill>
+                <a:schemeClr val="bg1"/>
+              </a:solidFill>
+            </a:endParaRPr>
+          </a:p>
+          <a:p>
+            <a:pPr lvl="1"/>
+            <a:r>
+              <a:rPr lang="da-DK" dirty="0" smtClean="0">
+                <a:solidFill>
+                  <a:schemeClr val="bg1"/>
+                </a:solidFill>
+              </a:rPr>
+              <a:t>Timing</a:t>
+            </a:r>
+            <a:endParaRPr lang="da-DK" dirty="0" smtClean="0">
+              <a:solidFill>
+                <a:schemeClr val="bg1"/>
+              </a:solidFill>
+            </a:endParaRPr>
+          </a:p>
+          <a:p>
+            <a:endParaRPr lang="da-DK" dirty="0" smtClean="0">
+              <a:solidFill>
+                <a:schemeClr val="bg1"/>
+              </a:solidFill>
+            </a:endParaRPr>
+          </a:p>
+        </p:txBody>
+      </p:sp>
+    </p:spTree>
+  </p:cSld>
+  <p:clrMapOvr>
+    <a:masterClrMapping/>
+  </p:clrMapOvr>
+</p:sld>
+</file>
+
+<file path=ppt/slides/slide3.xml><?xml version="1.0" encoding="utf-8"?>
+<p:sld xmlns:a="http://schemas.openxmlformats.org/drawingml/2006/main" xmlns:r="http://schemas.openxmlformats.org/officeDocument/2006/relationships" xmlns:p="http://schemas.openxmlformats.org/presentationml/2006/main">
+  <p:cSld>
+    <p:spTree>
+      <p:nvGrpSpPr>
+        <p:cNvPr id="1" name=""/>
+        <p:cNvGrpSpPr/>
+        <p:nvPr/>
+      </p:nvGrpSpPr>
+      <p:grpSpPr>
+        <a:xfrm>
+          <a:off x="0" y="0"/>
+          <a:ext cx="0" cy="0"/>
+          <a:chOff x="0" y="0"/>
+          <a:chExt cx="0" cy="0"/>
+        </a:xfrm>
+      </p:grpSpPr>
+      <p:sp>
+        <p:nvSpPr>
+          <p:cNvPr id="2" name="Title 1"/>
+          <p:cNvSpPr>
+            <a:spLocks noGrp="1"/>
+          </p:cNvSpPr>
+          <p:nvPr>
+            <p:ph type="title"/>
+          </p:nvPr>
+        </p:nvSpPr>
+        <p:spPr/>
+        <p:txBody>
+          <a:bodyPr/>
+          <a:lstStyle/>
+          <a:p>
+            <a:pPr algn="ctr"/>
+            <a:r>
+              <a:rPr lang="da-DK" noProof="0" dirty="0" err="1" smtClean="0"/>
+              <a:t>Where</a:t>
+            </a:r>
+            <a:r>
+              <a:rPr lang="da-DK" noProof="0" dirty="0" smtClean="0"/>
+              <a:t> to go from </a:t>
+            </a:r>
+            <a:r>
+              <a:rPr lang="da-DK" noProof="0" dirty="0" err="1" smtClean="0"/>
+              <a:t>here</a:t>
+            </a:r>
+            <a:r>
+              <a:rPr lang="da-DK" noProof="0" dirty="0" smtClean="0"/>
+              <a:t>?</a:t>
+            </a:r>
+            <a:endParaRPr lang="da-DK" noProof="0" dirty="0"/>
+          </a:p>
+        </p:txBody>
+      </p:sp>
+      <p:sp>
+        <p:nvSpPr>
+          <p:cNvPr id="3" name="Content Placeholder 2"/>
+          <p:cNvSpPr>
+            <a:spLocks noGrp="1"/>
+          </p:cNvSpPr>
+          <p:nvPr>
+            <p:ph idx="1"/>
+          </p:nvPr>
+        </p:nvSpPr>
+        <p:spPr/>
+        <p:txBody>
+          <a:bodyPr>
+            <a:normAutofit lnSpcReduction="10000"/>
+          </a:bodyPr>
+          <a:lstStyle/>
+          <a:p>
+            <a:endParaRPr lang="da-DK" noProof="0" dirty="0" smtClean="0"/>
+          </a:p>
+          <a:p>
+            <a:r>
+              <a:rPr lang="da-DK" noProof="0" dirty="0" smtClean="0"/>
+              <a:t>Context actions 	[</a:t>
+            </a:r>
+            <a:r>
+              <a:rPr lang="da-DK" b="1" noProof="0" dirty="0" smtClean="0"/>
+              <a:t>Alt+Enter</a:t>
+            </a:r>
+            <a:r>
+              <a:rPr lang="da-DK" noProof="0" dirty="0" smtClean="0"/>
+              <a:t>]</a:t>
+            </a:r>
+          </a:p>
+          <a:p>
+            <a:r>
+              <a:rPr lang="da-DK" noProof="0" dirty="0" smtClean="0"/>
+              <a:t>Generate code 	[</a:t>
+            </a:r>
+            <a:r>
+              <a:rPr lang="da-DK" b="1" noProof="0" dirty="0" smtClean="0"/>
+              <a:t>Alt+Insert</a:t>
+            </a:r>
+            <a:r>
+              <a:rPr lang="da-DK" noProof="0" dirty="0" smtClean="0"/>
+              <a:t>]</a:t>
+            </a:r>
+          </a:p>
+          <a:p>
+            <a:r>
+              <a:rPr lang="da-DK" noProof="0" dirty="0" smtClean="0"/>
+              <a:t>Refactor this! 		[</a:t>
+            </a:r>
+            <a:r>
+              <a:rPr lang="da-DK" b="1" noProof="0" dirty="0" smtClean="0"/>
+              <a:t>Ctrl+Shift+R</a:t>
+            </a:r>
+            <a:r>
+              <a:rPr lang="da-DK" noProof="0" dirty="0" smtClean="0"/>
+              <a:t>]</a:t>
+            </a:r>
+          </a:p>
+          <a:p>
+            <a:pPr lvl="1"/>
+            <a:endParaRPr lang="da-DK" noProof="0" dirty="0" smtClean="0"/>
+          </a:p>
+          <a:p>
+            <a:pPr lvl="1"/>
+            <a:endParaRPr lang="da-DK" noProof="0" dirty="0" smtClean="0"/>
+          </a:p>
+          <a:p>
+            <a:r>
+              <a:rPr lang="da-DK" noProof="0" dirty="0" smtClean="0"/>
+              <a:t>Pair programming</a:t>
+            </a:r>
+          </a:p>
+          <a:p>
+            <a:r>
+              <a:rPr lang="da-DK" noProof="0" dirty="0" smtClean="0"/>
+              <a:t>A </a:t>
+            </a:r>
+            <a:r>
+              <a:rPr lang="da-DK" noProof="0" dirty="0" err="1" smtClean="0"/>
+              <a:t>shortcut</a:t>
+            </a:r>
+            <a:r>
+              <a:rPr lang="da-DK" noProof="0" dirty="0" smtClean="0"/>
+              <a:t> a </a:t>
+            </a:r>
+            <a:r>
+              <a:rPr lang="da-DK" noProof="0" dirty="0" err="1" smtClean="0"/>
+              <a:t>day</a:t>
+            </a:r>
+            <a:r>
+              <a:rPr lang="da-DK" noProof="0" dirty="0" smtClean="0"/>
+              <a:t> / </a:t>
+            </a:r>
+            <a:r>
+              <a:rPr lang="da-DK" noProof="0" dirty="0" err="1" smtClean="0"/>
+              <a:t>week</a:t>
+            </a:r>
+            <a:r>
+              <a:rPr lang="da-DK" dirty="0" smtClean="0"/>
+              <a:t> </a:t>
+            </a:r>
+            <a:r>
+              <a:rPr lang="da-DK" dirty="0" smtClean="0"/>
+              <a:t>…</a:t>
+            </a:r>
+            <a:endParaRPr lang="da-DK" noProof="0" dirty="0" smtClean="0"/>
+          </a:p>
+          <a:p>
+            <a:endParaRPr lang="da-DK" noProof="0" dirty="0"/>
+          </a:p>
+        </p:txBody>
+      </p:sp>
+      <p:pic>
+        <p:nvPicPr>
+          <p:cNvPr id="1026" name="Picture 2" descr="C:\Users\RASMUSKL\Desktop\My Dropbox\Presentations\Stockphotos\baby-with-computer.jpg"/>
+          <p:cNvPicPr>
+            <a:picLocks noChangeAspect="1" noChangeArrowheads="1"/>
+          </p:cNvPicPr>
+          <p:nvPr/>
+        </p:nvPicPr>
+        <p:blipFill>
+          <a:blip r:embed="rId2" cstate="print"/>
+          <a:srcRect/>
+          <a:stretch>
+            <a:fillRect/>
+          </a:stretch>
+        </p:blipFill>
+        <p:spPr bwMode="auto">
+          <a:xfrm>
+            <a:off x="5500694" y="3929066"/>
+            <a:ext cx="3406765" cy="2555074"/>
+          </a:xfrm>
+          <a:prstGeom prst="rect">
+            <a:avLst/>
+          </a:prstGeom>
+          <a:noFill/>
+        </p:spPr>
+      </p:pic>
+    </p:spTree>
+  </p:cSld>
+  <p:clrMapOvr>
+    <a:masterClrMapping/>
+  </p:clrMapOvr>
+  <p:timing>
+    <p:tnLst>
+      <p:par>
+        <p:cTn id="1" dur="indefinite" restart="never" nodeType="tmRoot"/>
+      </p:par>
+    </p:tnLst>
+  </p:timing>
+</p:sld>
+</file>
+
+<file path=ppt/slides/slide4.xml><?xml version="1.0" encoding="utf-8"?>
+<p:sld xmlns:a="http://schemas.openxmlformats.org/drawingml/2006/main" xmlns:r="http://schemas.openxmlformats.org/officeDocument/2006/relationships" xmlns:p="http://schemas.openxmlformats.org/presentationml/2006/main">
+  <p:cSld>
+    <p:spTree>
+      <p:nvGrpSpPr>
+        <p:cNvPr id="1" name=""/>
+        <p:cNvGrpSpPr/>
+        <p:nvPr/>
+      </p:nvGrpSpPr>
+      <p:grpSpPr>
+        <a:xfrm>
+          <a:off x="0" y="0"/>
+          <a:ext cx="0" cy="0"/>
+          <a:chOff x="0" y="0"/>
+          <a:chExt cx="0" cy="0"/>
+        </a:xfrm>
+      </p:grpSpPr>
+      <p:sp>
+        <p:nvSpPr>
+          <p:cNvPr id="2" name="Title 1"/>
+          <p:cNvSpPr>
+            <a:spLocks noGrp="1"/>
+          </p:cNvSpPr>
+          <p:nvPr>
+            <p:ph type="title"/>
+          </p:nvPr>
+        </p:nvSpPr>
+        <p:spPr/>
+        <p:txBody>
+          <a:bodyPr/>
+          <a:lstStyle/>
+          <a:p>
+            <a:pPr algn="ctr"/>
+            <a:r>
+              <a:rPr lang="da-DK" noProof="0" dirty="0" err="1" smtClean="0"/>
+              <a:t>Questions</a:t>
+            </a:r>
+            <a:r>
+              <a:rPr lang="da-DK" noProof="0" dirty="0" smtClean="0"/>
+              <a:t>?</a:t>
+            </a:r>
+            <a:endParaRPr lang="da-DK" noProof="0" dirty="0"/>
+          </a:p>
+        </p:txBody>
+      </p:sp>
+      <p:sp>
+        <p:nvSpPr>
+          <p:cNvPr id="3" name="Content Placeholder 2"/>
+          <p:cNvSpPr>
+            <a:spLocks noGrp="1"/>
+          </p:cNvSpPr>
+          <p:nvPr>
+            <p:ph idx="1"/>
+          </p:nvPr>
+        </p:nvSpPr>
+        <p:spPr/>
+        <p:txBody>
+          <a:bodyPr>
+            <a:normAutofit/>
+          </a:bodyPr>
+          <a:lstStyle/>
+          <a:p>
+            <a:endParaRPr lang="da-DK" noProof="0" dirty="0" smtClean="0"/>
+          </a:p>
+          <a:p>
+            <a:endParaRPr lang="da-DK" noProof="0" dirty="0" smtClean="0"/>
+          </a:p>
+          <a:p>
+            <a:r>
+              <a:rPr lang="da-DK" noProof="0" dirty="0" smtClean="0"/>
+              <a:t>Mail</a:t>
+            </a:r>
+            <a:r>
+              <a:rPr lang="da-DK" noProof="0" dirty="0" smtClean="0"/>
+              <a:t>: </a:t>
+            </a:r>
+            <a:r>
+              <a:rPr lang="da-DK" noProof="0" dirty="0" err="1" smtClean="0"/>
+              <a:t>rasmus@kromann-larsen.dk</a:t>
+            </a:r>
+            <a:endParaRPr lang="da-DK" noProof="0" dirty="0" smtClean="0"/>
+          </a:p>
+          <a:p>
+            <a:r>
+              <a:rPr lang="da-DK" noProof="0" dirty="0" smtClean="0"/>
+              <a:t>Twitter: @</a:t>
+            </a:r>
+            <a:r>
+              <a:rPr lang="da-DK" noProof="0" dirty="0" err="1" smtClean="0"/>
+              <a:t>rasmuskl</a:t>
+            </a:r>
+            <a:endParaRPr lang="da-DK" noProof="0" dirty="0" smtClean="0"/>
+          </a:p>
+          <a:p>
+            <a:endParaRPr lang="da-DK" dirty="0" smtClean="0"/>
+          </a:p>
+          <a:p>
+            <a:r>
+              <a:rPr lang="da-DK" dirty="0" smtClean="0"/>
+              <a:t>Blog</a:t>
+            </a:r>
+            <a:r>
+              <a:rPr lang="da-DK" dirty="0" smtClean="0"/>
+              <a:t>: </a:t>
+            </a:r>
+            <a:r>
+              <a:rPr lang="da-DK" dirty="0" err="1" smtClean="0"/>
+              <a:t>www.rasmuskl.dk</a:t>
+            </a:r>
+            <a:endParaRPr lang="da-DK" dirty="0" smtClean="0"/>
+          </a:p>
+          <a:p>
+            <a:endParaRPr lang="da-DK" dirty="0" smtClean="0"/>
+          </a:p>
+          <a:p>
+            <a:endParaRPr lang="da-DK" dirty="0" smtClean="0"/>
+          </a:p>
+          <a:p>
+            <a:endParaRPr lang="da-DK" noProof="0" dirty="0"/>
+          </a:p>
+        </p:txBody>
+      </p:sp>
+      <p:pic>
+        <p:nvPicPr>
+          <p:cNvPr id="4" name="Picture 2" descr="C:\Users\RASMUSKL\Desktop\My Dropbox\Presentations\ReSharper 5 - ANUG VS Launch\Content\ReSharper_15.png"/>
+          <p:cNvPicPr>
+            <a:picLocks noChangeAspect="1" noChangeArrowheads="1"/>
+          </p:cNvPicPr>
+          <p:nvPr/>
+        </p:nvPicPr>
+        <p:blipFill>
+          <a:blip r:embed="rId2" cstate="print"/>
+          <a:srcRect/>
+          <a:stretch>
+            <a:fillRect/>
+          </a:stretch>
+        </p:blipFill>
+        <p:spPr bwMode="auto">
+          <a:xfrm>
+            <a:off x="6286512" y="285728"/>
+            <a:ext cx="2647944" cy="2173041"/>
+          </a:xfrm>
+          <a:prstGeom prst="rect">
+            <a:avLst/>
+          </a:prstGeom>
+          <a:noFill/>
+        </p:spPr>
+      </p:pic>
+    </p:spTree>
+  </p:cSld>
+  <p:clrMapOvr>
+    <a:masterClrMapping/>
+  </p:clrMapOvr>
+  <p:timing>
+    <p:tnLst>
+      <p:par>
+        <p:cTn id="1" dur="indefinite" restart="never" nodeType="tmRoot"/>
+      </p:par>
+    </p:tnLst>
+  </p:timing>
+</p:sld>
 </file>
 
 <file path=ppt/theme/theme1.xml><?xml version="1.0" encoding="utf-8"?>

--- a/Presentations/3 - Wrap-Up - ReSharper Course.pptx
+++ b/Presentations/3 - Wrap-Up - ReSharper Course.pptx
@@ -196,7 +196,7 @@
             <a:fld id="{25D31F56-D80D-4507-AC0F-AB5E545C4181}" type="datetimeFigureOut">
               <a:rPr lang="da-DK" smtClean="0"/>
               <a:pPr/>
-              <a:t>23-05-2012</a:t>
+              <a:t>14-11-2012</a:t>
             </a:fld>
             <a:endParaRPr lang="da-DK"/>
           </a:p>
@@ -365,7 +365,7 @@
     </p:spTree>
     <p:extLst>
       <p:ext uri="{BB962C8B-B14F-4D97-AF65-F5344CB8AC3E}">
-        <p14:creationId xmlns="" xmlns:p14="http://schemas.microsoft.com/office/powerpoint/2010/main" val="1746408167"/>
+        <p14:creationId xmlns:p14="http://schemas.microsoft.com/office/powerpoint/2010/main" val="1746408167"/>
       </p:ext>
     </p:extLst>
   </p:cSld>
@@ -647,7 +647,7 @@
             <a:fld id="{1D8BD707-D9CF-40AE-B4C6-C98DA3205C09}" type="datetimeFigureOut">
               <a:rPr lang="en-US" smtClean="0"/>
               <a:pPr/>
-              <a:t>5/23/2012</a:t>
+              <a:t>11/14/2012</a:t>
             </a:fld>
             <a:endParaRPr lang="en-US"/>
           </a:p>
@@ -814,7 +814,7 @@
             <a:fld id="{1D8BD707-D9CF-40AE-B4C6-C98DA3205C09}" type="datetimeFigureOut">
               <a:rPr lang="en-US" smtClean="0"/>
               <a:pPr/>
-              <a:t>5/23/2012</a:t>
+              <a:t>11/14/2012</a:t>
             </a:fld>
             <a:endParaRPr lang="en-US"/>
           </a:p>
@@ -991,7 +991,7 @@
             <a:fld id="{1D8BD707-D9CF-40AE-B4C6-C98DA3205C09}" type="datetimeFigureOut">
               <a:rPr lang="en-US" smtClean="0"/>
               <a:pPr/>
-              <a:t>5/23/2012</a:t>
+              <a:t>11/14/2012</a:t>
             </a:fld>
             <a:endParaRPr lang="en-US"/>
           </a:p>
@@ -1158,7 +1158,7 @@
             <a:fld id="{1D8BD707-D9CF-40AE-B4C6-C98DA3205C09}" type="datetimeFigureOut">
               <a:rPr lang="en-US" smtClean="0"/>
               <a:pPr/>
-              <a:t>5/23/2012</a:t>
+              <a:t>11/14/2012</a:t>
             </a:fld>
             <a:endParaRPr lang="en-US"/>
           </a:p>
@@ -1401,7 +1401,7 @@
             <a:fld id="{1D8BD707-D9CF-40AE-B4C6-C98DA3205C09}" type="datetimeFigureOut">
               <a:rPr lang="en-US" smtClean="0"/>
               <a:pPr/>
-              <a:t>5/23/2012</a:t>
+              <a:t>11/14/2012</a:t>
             </a:fld>
             <a:endParaRPr lang="en-US"/>
           </a:p>
@@ -1686,7 +1686,7 @@
             <a:fld id="{1D8BD707-D9CF-40AE-B4C6-C98DA3205C09}" type="datetimeFigureOut">
               <a:rPr lang="en-US" smtClean="0"/>
               <a:pPr/>
-              <a:t>5/23/2012</a:t>
+              <a:t>11/14/2012</a:t>
             </a:fld>
             <a:endParaRPr lang="en-US"/>
           </a:p>
@@ -2105,7 +2105,7 @@
             <a:fld id="{1D8BD707-D9CF-40AE-B4C6-C98DA3205C09}" type="datetimeFigureOut">
               <a:rPr lang="en-US" smtClean="0"/>
               <a:pPr/>
-              <a:t>5/23/2012</a:t>
+              <a:t>11/14/2012</a:t>
             </a:fld>
             <a:endParaRPr lang="en-US"/>
           </a:p>
@@ -2220,7 +2220,7 @@
             <a:fld id="{1D8BD707-D9CF-40AE-B4C6-C98DA3205C09}" type="datetimeFigureOut">
               <a:rPr lang="en-US" smtClean="0"/>
               <a:pPr/>
-              <a:t>5/23/2012</a:t>
+              <a:t>11/14/2012</a:t>
             </a:fld>
             <a:endParaRPr lang="en-US"/>
           </a:p>
@@ -2312,7 +2312,7 @@
             <a:fld id="{1D8BD707-D9CF-40AE-B4C6-C98DA3205C09}" type="datetimeFigureOut">
               <a:rPr lang="en-US" smtClean="0"/>
               <a:pPr/>
-              <a:t>5/23/2012</a:t>
+              <a:t>11/14/2012</a:t>
             </a:fld>
             <a:endParaRPr lang="en-US"/>
           </a:p>
@@ -2586,7 +2586,7 @@
             <a:fld id="{1D8BD707-D9CF-40AE-B4C6-C98DA3205C09}" type="datetimeFigureOut">
               <a:rPr lang="en-US" smtClean="0"/>
               <a:pPr/>
-              <a:t>5/23/2012</a:t>
+              <a:t>11/14/2012</a:t>
             </a:fld>
             <a:endParaRPr lang="en-US"/>
           </a:p>
@@ -2836,7 +2836,7 @@
             <a:fld id="{1D8BD707-D9CF-40AE-B4C6-C98DA3205C09}" type="datetimeFigureOut">
               <a:rPr lang="en-US" smtClean="0"/>
               <a:pPr/>
-              <a:t>5/23/2012</a:t>
+              <a:t>11/14/2012</a:t>
             </a:fld>
             <a:endParaRPr lang="en-US"/>
           </a:p>
@@ -3046,7 +3046,7 @@
             <a:fld id="{1D8BD707-D9CF-40AE-B4C6-C98DA3205C09}" type="datetimeFigureOut">
               <a:rPr lang="en-US" smtClean="0"/>
               <a:pPr/>
-              <a:t>5/23/2012</a:t>
+              <a:t>11/14/2012</a:t>
             </a:fld>
             <a:endParaRPr lang="en-US"/>
           </a:p>
@@ -3456,13 +3456,7 @@
           <a:lstStyle/>
           <a:p>
             <a:r>
-              <a:rPr lang="da-DK" dirty="0" smtClean="0"/>
-              <a:t>Making Waves @ Oslo</a:t>
-            </a:r>
-          </a:p>
-          <a:p>
-            <a:r>
-              <a:rPr lang="da-DK" dirty="0" err="1" smtClean="0"/>
+              <a:rPr lang="da-DK" smtClean="0"/>
               <a:t>Wrap-Up</a:t>
             </a:r>
             <a:endParaRPr lang="da-DK" dirty="0"/>
@@ -3628,15 +3622,7 @@
                   <a:schemeClr val="bg1"/>
                 </a:solidFill>
               </a:rPr>
-              <a:t> </a:t>
-            </a:r>
-            <a:r>
-              <a:rPr lang="da-DK" dirty="0" smtClean="0">
-                <a:solidFill>
-                  <a:schemeClr val="bg1"/>
-                </a:solidFill>
-              </a:rPr>
-              <a:t>ReSharper features</a:t>
+              <a:t> ReSharper features</a:t>
             </a:r>
           </a:p>
           <a:p>
@@ -3679,11 +3665,6 @@
               </a:rPr>
               <a:t>Timing</a:t>
             </a:r>
-            <a:endParaRPr lang="da-DK" dirty="0" smtClean="0">
-              <a:solidFill>
-                <a:schemeClr val="bg1"/>
-              </a:solidFill>
-            </a:endParaRPr>
           </a:p>
           <a:p>
             <a:endParaRPr lang="da-DK" dirty="0" smtClean="0">
@@ -3857,11 +3838,7 @@
             </a:r>
             <a:r>
               <a:rPr lang="da-DK" dirty="0" smtClean="0"/>
-              <a:t> </a:t>
-            </a:r>
-            <a:r>
-              <a:rPr lang="da-DK" dirty="0" smtClean="0"/>
-              <a:t>…</a:t>
+              <a:t> …</a:t>
             </a:r>
             <a:endParaRPr lang="da-DK" noProof="0" dirty="0" smtClean="0"/>
           </a:p>
@@ -3981,11 +3958,7 @@
           <a:p>
             <a:r>
               <a:rPr lang="da-DK" noProof="0" dirty="0" smtClean="0"/>
-              <a:t>Mail</a:t>
-            </a:r>
-            <a:r>
-              <a:rPr lang="da-DK" noProof="0" dirty="0" smtClean="0"/>
-              <a:t>: </a:t>
+              <a:t>Mail: </a:t>
             </a:r>
             <a:r>
               <a:rPr lang="da-DK" noProof="0" dirty="0" err="1" smtClean="0"/>
@@ -4010,11 +3983,7 @@
           <a:p>
             <a:r>
               <a:rPr lang="da-DK" dirty="0" smtClean="0"/>
-              <a:t>Blog</a:t>
-            </a:r>
-            <a:r>
-              <a:rPr lang="da-DK" dirty="0" smtClean="0"/>
-              <a:t>: </a:t>
+              <a:t>Blog: </a:t>
             </a:r>
             <a:r>
               <a:rPr lang="da-DK" dirty="0" err="1" smtClean="0"/>
